--- a/Prac2/Part 2/Presentation Template.pptx
+++ b/Prac2/Part 2/Presentation Template.pptx
@@ -8,12 +8,11 @@
     <p:sldId id="256" r:id="rId2"/>
     <p:sldId id="257" r:id="rId3"/>
     <p:sldId id="258" r:id="rId4"/>
-    <p:sldId id="260" r:id="rId5"/>
-    <p:sldId id="261" r:id="rId6"/>
-    <p:sldId id="265" r:id="rId7"/>
-    <p:sldId id="262" r:id="rId8"/>
-    <p:sldId id="263" r:id="rId9"/>
-    <p:sldId id="264" r:id="rId10"/>
+    <p:sldId id="261" r:id="rId5"/>
+    <p:sldId id="265" r:id="rId6"/>
+    <p:sldId id="262" r:id="rId7"/>
+    <p:sldId id="263" r:id="rId8"/>
+    <p:sldId id="264" r:id="rId9"/>
   </p:sldIdLst>
   <p:sldSz cx="12192000" cy="6858000"/>
   <p:notesSz cx="6858000" cy="9144000"/>
@@ -308,7 +307,7 @@
           <a:p>
             <a:fld id="{F1A8E312-5357-423D-9805-2C398908D092}" type="datetimeFigureOut">
               <a:rPr lang="en-ZA" smtClean="0"/>
-              <a:t>2019/09/16</a:t>
+              <a:t>2019/09/19</a:t>
             </a:fld>
             <a:endParaRPr lang="en-ZA"/>
           </a:p>
@@ -646,7 +645,7 @@
           <a:p>
             <a:fld id="{F1A8E312-5357-423D-9805-2C398908D092}" type="datetimeFigureOut">
               <a:rPr lang="en-ZA" smtClean="0"/>
-              <a:t>2019/09/16</a:t>
+              <a:t>2019/09/19</a:t>
             </a:fld>
             <a:endParaRPr lang="en-ZA"/>
           </a:p>
@@ -1047,7 +1046,7 @@
           <a:p>
             <a:fld id="{F1A8E312-5357-423D-9805-2C398908D092}" type="datetimeFigureOut">
               <a:rPr lang="en-ZA" smtClean="0"/>
-              <a:t>2019/09/16</a:t>
+              <a:t>2019/09/19</a:t>
             </a:fld>
             <a:endParaRPr lang="en-ZA"/>
           </a:p>
@@ -1383,7 +1382,7 @@
           <a:p>
             <a:fld id="{F1A8E312-5357-423D-9805-2C398908D092}" type="datetimeFigureOut">
               <a:rPr lang="en-ZA" smtClean="0"/>
-              <a:t>2019/09/16</a:t>
+              <a:t>2019/09/19</a:t>
             </a:fld>
             <a:endParaRPr lang="en-ZA"/>
           </a:p>
@@ -1703,7 +1702,7 @@
           <a:p>
             <a:fld id="{F1A8E312-5357-423D-9805-2C398908D092}" type="datetimeFigureOut">
               <a:rPr lang="en-ZA" smtClean="0"/>
-              <a:t>2019/09/16</a:t>
+              <a:t>2019/09/19</a:t>
             </a:fld>
             <a:endParaRPr lang="en-ZA"/>
           </a:p>
@@ -2099,7 +2098,7 @@
           <a:p>
             <a:fld id="{F1A8E312-5357-423D-9805-2C398908D092}" type="datetimeFigureOut">
               <a:rPr lang="en-ZA" smtClean="0"/>
-              <a:t>2019/09/16</a:t>
+              <a:t>2019/09/19</a:t>
             </a:fld>
             <a:endParaRPr lang="en-ZA"/>
           </a:p>
@@ -2356,7 +2355,7 @@
           <a:p>
             <a:fld id="{F1A8E312-5357-423D-9805-2C398908D092}" type="datetimeFigureOut">
               <a:rPr lang="en-ZA" smtClean="0"/>
-              <a:t>2019/09/16</a:t>
+              <a:t>2019/09/19</a:t>
             </a:fld>
             <a:endParaRPr lang="en-ZA"/>
           </a:p>
@@ -2618,7 +2617,7 @@
           <a:p>
             <a:fld id="{F1A8E312-5357-423D-9805-2C398908D092}" type="datetimeFigureOut">
               <a:rPr lang="en-ZA" smtClean="0"/>
-              <a:t>2019/09/16</a:t>
+              <a:t>2019/09/19</a:t>
             </a:fld>
             <a:endParaRPr lang="en-ZA"/>
           </a:p>
@@ -2880,7 +2879,7 @@
           <a:p>
             <a:fld id="{F1A8E312-5357-423D-9805-2C398908D092}" type="datetimeFigureOut">
               <a:rPr lang="en-ZA" smtClean="0"/>
-              <a:t>2019/09/16</a:t>
+              <a:t>2019/09/19</a:t>
             </a:fld>
             <a:endParaRPr lang="en-ZA"/>
           </a:p>
@@ -3209,7 +3208,7 @@
           <a:p>
             <a:fld id="{F1A8E312-5357-423D-9805-2C398908D092}" type="datetimeFigureOut">
               <a:rPr lang="en-ZA" smtClean="0"/>
-              <a:t>2019/09/16</a:t>
+              <a:t>2019/09/19</a:t>
             </a:fld>
             <a:endParaRPr lang="en-ZA"/>
           </a:p>
@@ -3532,7 +3531,7 @@
           <a:p>
             <a:fld id="{F1A8E312-5357-423D-9805-2C398908D092}" type="datetimeFigureOut">
               <a:rPr lang="en-ZA" smtClean="0"/>
-              <a:t>2019/09/16</a:t>
+              <a:t>2019/09/19</a:t>
             </a:fld>
             <a:endParaRPr lang="en-ZA"/>
           </a:p>
@@ -3989,7 +3988,7 @@
           <a:p>
             <a:fld id="{F1A8E312-5357-423D-9805-2C398908D092}" type="datetimeFigureOut">
               <a:rPr lang="en-ZA" smtClean="0"/>
-              <a:t>2019/09/16</a:t>
+              <a:t>2019/09/19</a:t>
             </a:fld>
             <a:endParaRPr lang="en-ZA"/>
           </a:p>
@@ -4194,7 +4193,7 @@
           <a:p>
             <a:fld id="{F1A8E312-5357-423D-9805-2C398908D092}" type="datetimeFigureOut">
               <a:rPr lang="en-ZA" smtClean="0"/>
-              <a:t>2019/09/16</a:t>
+              <a:t>2019/09/19</a:t>
             </a:fld>
             <a:endParaRPr lang="en-ZA"/>
           </a:p>
@@ -4371,7 +4370,7 @@
           <a:p>
             <a:fld id="{F1A8E312-5357-423D-9805-2C398908D092}" type="datetimeFigureOut">
               <a:rPr lang="en-ZA" smtClean="0"/>
-              <a:t>2019/09/16</a:t>
+              <a:t>2019/09/19</a:t>
             </a:fld>
             <a:endParaRPr lang="en-ZA"/>
           </a:p>
@@ -4704,7 +4703,7 @@
           <a:p>
             <a:fld id="{F1A8E312-5357-423D-9805-2C398908D092}" type="datetimeFigureOut">
               <a:rPr lang="en-ZA" smtClean="0"/>
-              <a:t>2019/09/16</a:t>
+              <a:t>2019/09/19</a:t>
             </a:fld>
             <a:endParaRPr lang="en-ZA"/>
           </a:p>
@@ -5049,7 +5048,7 @@
           <a:p>
             <a:fld id="{F1A8E312-5357-423D-9805-2C398908D092}" type="datetimeFigureOut">
               <a:rPr lang="en-ZA" smtClean="0"/>
-              <a:t>2019/09/16</a:t>
+              <a:t>2019/09/19</a:t>
             </a:fld>
             <a:endParaRPr lang="en-ZA"/>
           </a:p>
@@ -7166,7 +7165,7 @@
           <a:p>
             <a:fld id="{F1A8E312-5357-423D-9805-2C398908D092}" type="datetimeFigureOut">
               <a:rPr lang="en-ZA" smtClean="0"/>
-              <a:t>2019/09/16</a:t>
+              <a:t>2019/09/19</a:t>
             </a:fld>
             <a:endParaRPr lang="en-ZA"/>
           </a:p>
@@ -7710,6 +7709,17 @@
               <a:rPr lang="en-ZA" sz="4400" dirty="0" smtClean="0"/>
               <a:t>Queuing Management System </a:t>
             </a:r>
+            <a:r>
+              <a:rPr lang="en-ZA" sz="4400" dirty="0" smtClean="0"/>
+              <a:t/>
+            </a:r>
+            <a:br>
+              <a:rPr lang="en-ZA" sz="4400" dirty="0" smtClean="0"/>
+            </a:br>
+            <a:r>
+              <a:rPr lang="en-ZA" sz="4400" dirty="0" smtClean="0"/>
+              <a:t>(Banking System)</a:t>
+            </a:r>
             <a:endParaRPr lang="en-ZA" sz="4400" dirty="0"/>
           </a:p>
         </p:txBody>
@@ -8179,7 +8189,7 @@
           <a:p>
             <a:r>
               <a:rPr lang="en-ZA" dirty="0" smtClean="0"/>
-              <a:t>Queuing Management System Approach	</a:t>
+              <a:t>Design Factors</a:t>
             </a:r>
             <a:endParaRPr lang="en-ZA" dirty="0"/>
           </a:p>
@@ -8197,18 +8207,171 @@
         </p:nvSpPr>
         <p:spPr/>
         <p:txBody>
-          <a:bodyPr/>
+          <a:bodyPr>
+            <a:normAutofit fontScale="47500" lnSpcReduction="20000"/>
+          </a:bodyPr>
           <a:lstStyle/>
           <a:p>
             <a:r>
               <a:rPr lang="en-ZA" dirty="0" smtClean="0"/>
-              <a:t>Design Factors</a:t>
-            </a:r>
-          </a:p>
-          <a:p>
+              <a:t>Relate specifically </a:t>
+            </a:r>
+            <a:r>
+              <a:rPr lang="en-ZA" dirty="0"/>
+              <a:t>to the </a:t>
+            </a:r>
             <a:r>
               <a:rPr lang="en-ZA" dirty="0" smtClean="0"/>
-              <a:t>Design Parameters</a:t>
+              <a:t>QMS </a:t>
+            </a:r>
+            <a:r>
+              <a:rPr lang="en-ZA" dirty="0"/>
+              <a:t>and are what dene the management structure</a:t>
+            </a:r>
+            <a:r>
+              <a:rPr lang="en-ZA" dirty="0" smtClean="0"/>
+              <a:t>.</a:t>
+            </a:r>
+          </a:p>
+          <a:p>
+            <a:r>
+              <a:rPr lang="en-ZA" dirty="0" smtClean="0"/>
+              <a:t>Arrival </a:t>
+            </a:r>
+            <a:r>
+              <a:rPr lang="en-ZA" dirty="0"/>
+              <a:t>process</a:t>
+            </a:r>
+          </a:p>
+          <a:p>
+            <a:pPr lvl="1"/>
+            <a:r>
+              <a:rPr lang="en-ZA" dirty="0"/>
+              <a:t> Inter-arrival time</a:t>
+            </a:r>
+          </a:p>
+          <a:p>
+            <a:pPr lvl="1"/>
+            <a:r>
+              <a:rPr lang="en-ZA" dirty="0"/>
+              <a:t> Group arrival</a:t>
+            </a:r>
+          </a:p>
+          <a:p>
+            <a:r>
+              <a:rPr lang="en-ZA" dirty="0" smtClean="0"/>
+              <a:t>Service </a:t>
+            </a:r>
+            <a:r>
+              <a:rPr lang="en-ZA" dirty="0"/>
+              <a:t>process</a:t>
+            </a:r>
+          </a:p>
+          <a:p>
+            <a:r>
+              <a:rPr lang="en-ZA" dirty="0" smtClean="0"/>
+              <a:t>Number </a:t>
+            </a:r>
+            <a:r>
+              <a:rPr lang="en-ZA" dirty="0"/>
+              <a:t>of servers</a:t>
+            </a:r>
+          </a:p>
+          <a:p>
+            <a:r>
+              <a:rPr lang="en-ZA" dirty="0" smtClean="0"/>
+              <a:t>Number </a:t>
+            </a:r>
+            <a:r>
+              <a:rPr lang="en-ZA" dirty="0"/>
+              <a:t>of queues</a:t>
+            </a:r>
+          </a:p>
+          <a:p>
+            <a:r>
+              <a:rPr lang="en-ZA" dirty="0" smtClean="0"/>
+              <a:t>Number </a:t>
+            </a:r>
+            <a:r>
+              <a:rPr lang="en-ZA" dirty="0"/>
+              <a:t>of waiting places (queuing areas)</a:t>
+            </a:r>
+          </a:p>
+          <a:p>
+            <a:r>
+              <a:rPr lang="en-ZA" dirty="0" smtClean="0"/>
+              <a:t>Service </a:t>
+            </a:r>
+            <a:r>
+              <a:rPr lang="en-ZA" dirty="0"/>
+              <a:t>disciplines</a:t>
+            </a:r>
+          </a:p>
+          <a:p>
+            <a:pPr lvl="1"/>
+            <a:r>
+              <a:rPr lang="en-ZA" dirty="0"/>
+              <a:t> FIFO</a:t>
+            </a:r>
+          </a:p>
+          <a:p>
+            <a:pPr lvl="1"/>
+            <a:r>
+              <a:rPr lang="en-ZA" dirty="0"/>
+              <a:t> LIFO</a:t>
+            </a:r>
+          </a:p>
+          <a:p>
+            <a:pPr lvl="1"/>
+            <a:r>
+              <a:rPr lang="en-ZA" dirty="0"/>
+              <a:t> Shortest job </a:t>
+            </a:r>
+            <a:r>
+              <a:rPr lang="en-ZA" dirty="0" err="1"/>
+              <a:t>rst</a:t>
+            </a:r>
+            <a:endParaRPr lang="en-ZA" dirty="0"/>
+          </a:p>
+          <a:p>
+            <a:pPr lvl="1"/>
+            <a:r>
+              <a:rPr lang="en-ZA" dirty="0"/>
+              <a:t> Most </a:t>
+            </a:r>
+            <a:r>
+              <a:rPr lang="en-ZA" dirty="0" err="1"/>
+              <a:t>protable</a:t>
+            </a:r>
+            <a:r>
+              <a:rPr lang="en-ZA" dirty="0"/>
+              <a:t> job </a:t>
+            </a:r>
+            <a:r>
+              <a:rPr lang="en-ZA" dirty="0" err="1"/>
+              <a:t>rst</a:t>
+            </a:r>
+            <a:endParaRPr lang="en-ZA" dirty="0"/>
+          </a:p>
+          <a:p>
+            <a:pPr lvl="1"/>
+            <a:r>
+              <a:rPr lang="en-ZA" dirty="0"/>
+              <a:t> Round Robin (RR)</a:t>
+            </a:r>
+          </a:p>
+          <a:p>
+            <a:pPr lvl="1"/>
+            <a:r>
+              <a:rPr lang="en-ZA" dirty="0"/>
+              <a:t> Processor Sharing</a:t>
+            </a:r>
+          </a:p>
+          <a:p>
+            <a:pPr lvl="1"/>
+            <a:r>
+              <a:rPr lang="en-ZA" dirty="0" smtClean="0"/>
+              <a:t> Priorities</a:t>
             </a:r>
             <a:endParaRPr lang="en-ZA" dirty="0"/>
           </a:p>
@@ -8217,7 +8380,7 @@
     </p:spTree>
     <p:extLst>
       <p:ext uri="{BB962C8B-B14F-4D97-AF65-F5344CB8AC3E}">
-        <p14:creationId xmlns:p14="http://schemas.microsoft.com/office/powerpoint/2010/main" val="4205674831"/>
+        <p14:creationId xmlns:p14="http://schemas.microsoft.com/office/powerpoint/2010/main" val="637754367"/>
       </p:ext>
     </p:extLst>
   </p:cSld>
@@ -8267,199 +8430,98 @@
           <a:lstStyle/>
           <a:p>
             <a:r>
+              <a:rPr lang="en-ZA" dirty="0"/>
+              <a:t>Design Factors</a:t>
+            </a:r>
+          </a:p>
+        </p:txBody>
+      </p:sp>
+      <p:sp>
+        <p:nvSpPr>
+          <p:cNvPr id="3" name="Content Placeholder 2"/>
+          <p:cNvSpPr>
+            <a:spLocks noGrp="1"/>
+          </p:cNvSpPr>
+          <p:nvPr>
+            <p:ph idx="1"/>
+          </p:nvPr>
+        </p:nvSpPr>
+        <p:spPr/>
+        <p:txBody>
+          <a:bodyPr/>
+          <a:lstStyle/>
+          <a:p>
+            <a:r>
               <a:rPr lang="en-ZA" dirty="0" smtClean="0"/>
-              <a:t>Design Factors</a:t>
-            </a:r>
-            <a:endParaRPr lang="en-ZA" dirty="0"/>
-          </a:p>
-        </p:txBody>
-      </p:sp>
-      <p:sp>
-        <p:nvSpPr>
-          <p:cNvPr id="3" name="Content Placeholder 2"/>
-          <p:cNvSpPr>
-            <a:spLocks noGrp="1"/>
-          </p:cNvSpPr>
-          <p:nvPr>
-            <p:ph idx="1"/>
-          </p:nvPr>
-        </p:nvSpPr>
-        <p:spPr/>
-        <p:txBody>
-          <a:bodyPr>
-            <a:normAutofit fontScale="47500" lnSpcReduction="20000"/>
-          </a:bodyPr>
-          <a:lstStyle/>
+              <a:t>Information </a:t>
+            </a:r>
+            <a:r>
+              <a:rPr lang="en-ZA" dirty="0"/>
+              <a:t>available</a:t>
+            </a:r>
+          </a:p>
+          <a:p>
+            <a:pPr lvl="1"/>
+            <a:r>
+              <a:rPr lang="en-ZA" dirty="0"/>
+              <a:t> Upon choice of queue does customer know length of queue and service time?</a:t>
+            </a:r>
+          </a:p>
           <a:p>
             <a:r>
               <a:rPr lang="en-ZA" dirty="0" smtClean="0"/>
-              <a:t>Relate specifically </a:t>
+              <a:t>Discrete </a:t>
             </a:r>
             <a:r>
               <a:rPr lang="en-ZA" dirty="0"/>
-              <a:t>to the </a:t>
-            </a:r>
+              <a:t>/ Continuous time</a:t>
+            </a:r>
+          </a:p>
+          <a:p>
             <a:r>
               <a:rPr lang="en-ZA" dirty="0" smtClean="0"/>
-              <a:t>QMS </a:t>
+              <a:t>Other </a:t>
             </a:r>
             <a:r>
               <a:rPr lang="en-ZA" dirty="0"/>
-              <a:t>and are what dene the management structure</a:t>
-            </a:r>
-            <a:r>
-              <a:rPr lang="en-ZA" dirty="0" smtClean="0"/>
-              <a:t>.</a:t>
-            </a:r>
-          </a:p>
-          <a:p>
-            <a:r>
-              <a:rPr lang="en-ZA" dirty="0" smtClean="0"/>
-              <a:t>Arrival </a:t>
-            </a:r>
+              <a:t>factors</a:t>
+            </a:r>
+          </a:p>
+          <a:p>
+            <a:pPr lvl="1"/>
             <a:r>
               <a:rPr lang="en-ZA" dirty="0"/>
-              <a:t>process</a:t>
+              <a:t> Faults / Malfunctions</a:t>
             </a:r>
           </a:p>
           <a:p>
             <a:pPr lvl="1"/>
             <a:r>
               <a:rPr lang="en-ZA" dirty="0"/>
-              <a:t> Inter-arrival time</a:t>
+              <a:t> Strikes</a:t>
             </a:r>
           </a:p>
           <a:p>
             <a:pPr lvl="1"/>
             <a:r>
               <a:rPr lang="en-ZA" dirty="0"/>
-              <a:t> Group arrival</a:t>
-            </a:r>
-          </a:p>
-          <a:p>
-            <a:r>
-              <a:rPr lang="en-ZA" dirty="0" smtClean="0"/>
-              <a:t>Service </a:t>
+              <a:t> Real life events </a:t>
+            </a:r>
+            <a:r>
+              <a:rPr lang="en-ZA" dirty="0" err="1"/>
+              <a:t>aecting</a:t>
             </a:r>
             <a:r>
               <a:rPr lang="en-ZA" dirty="0"/>
-              <a:t>process</a:t>
-            </a:r>
-          </a:p>
-          <a:p>
-            <a:r>
-              <a:rPr lang="en-ZA" dirty="0" smtClean="0"/>
-              <a:t>Number </a:t>
-            </a:r>
-            <a:r>
-              <a:rPr lang="en-ZA" dirty="0"/>
-              <a:t>of servers</a:t>
-            </a:r>
-          </a:p>
-          <a:p>
-            <a:r>
-              <a:rPr lang="en-ZA" dirty="0" smtClean="0"/>
-              <a:t>Number </a:t>
-            </a:r>
-            <a:r>
-              <a:rPr lang="en-ZA" dirty="0"/>
-              <a:t>of queues</a:t>
-            </a:r>
-          </a:p>
-          <a:p>
-            <a:r>
-              <a:rPr lang="en-ZA" dirty="0" smtClean="0"/>
-              <a:t>Number </a:t>
-            </a:r>
-            <a:r>
-              <a:rPr lang="en-ZA" dirty="0"/>
-              <a:t>of waiting places (queuing areas)</a:t>
-            </a:r>
-          </a:p>
-          <a:p>
-            <a:r>
-              <a:rPr lang="en-ZA" dirty="0" smtClean="0"/>
-              <a:t>Service </a:t>
-            </a:r>
-            <a:r>
-              <a:rPr lang="en-ZA" dirty="0"/>
-              <a:t>disciplines</a:t>
-            </a:r>
-          </a:p>
-          <a:p>
-            <a:pPr lvl="1"/>
-            <a:r>
-              <a:rPr lang="en-ZA" dirty="0"/>
-              <a:t> FIFO</a:t>
-            </a:r>
-          </a:p>
-          <a:p>
-            <a:pPr lvl="1"/>
-            <a:r>
-              <a:rPr lang="en-ZA" dirty="0"/>
-              <a:t> LIFO</a:t>
-            </a:r>
-          </a:p>
-          <a:p>
-            <a:pPr lvl="1"/>
-            <a:r>
-              <a:rPr lang="en-ZA" dirty="0"/>
-              <a:t> Shortest job </a:t>
-            </a:r>
-            <a:r>
-              <a:rPr lang="en-ZA" dirty="0" err="1"/>
-              <a:t>rst</a:t>
-            </a:r>
-            <a:endParaRPr lang="en-ZA" dirty="0"/>
-          </a:p>
-          <a:p>
-            <a:pPr lvl="1"/>
-            <a:r>
-              <a:rPr lang="en-ZA" dirty="0"/>
-              <a:t> Most </a:t>
-            </a:r>
-            <a:r>
-              <a:rPr lang="en-ZA" dirty="0" err="1"/>
-              <a:t>protable</a:t>
-            </a:r>
-            <a:r>
-              <a:rPr lang="en-ZA" dirty="0"/>
-              <a:t> job </a:t>
-            </a:r>
-            <a:r>
-              <a:rPr lang="en-ZA" dirty="0" err="1"/>
-              <a:t>rst</a:t>
-            </a:r>
-            <a:endParaRPr lang="en-ZA" dirty="0"/>
-          </a:p>
-          <a:p>
-            <a:pPr lvl="1"/>
-            <a:r>
-              <a:rPr lang="en-ZA" dirty="0"/>
-              <a:t> Round Robin (RR)</a:t>
-            </a:r>
-          </a:p>
-          <a:p>
-            <a:pPr lvl="1"/>
-            <a:r>
-              <a:rPr lang="en-ZA" dirty="0"/>
-              <a:t> Processor Sharing</a:t>
-            </a:r>
-          </a:p>
-          <a:p>
-            <a:pPr lvl="1"/>
-            <a:r>
-              <a:rPr lang="en-ZA" dirty="0" smtClean="0"/>
-              <a:t> Priorities</a:t>
-            </a:r>
-            <a:endParaRPr lang="en-ZA" dirty="0"/>
+              <a:t> the system</a:t>
+            </a:r>
           </a:p>
         </p:txBody>
       </p:sp>
     </p:spTree>
     <p:extLst>
       <p:ext uri="{BB962C8B-B14F-4D97-AF65-F5344CB8AC3E}">
-        <p14:creationId xmlns:p14="http://schemas.microsoft.com/office/powerpoint/2010/main" val="637754367"/>
+        <p14:creationId xmlns:p14="http://schemas.microsoft.com/office/powerpoint/2010/main" val="1595905196"/>
       </p:ext>
     </p:extLst>
   </p:cSld>
@@ -8509,90 +8571,118 @@
           <a:lstStyle/>
           <a:p>
             <a:r>
+              <a:rPr lang="en-ZA" dirty="0" smtClean="0"/>
+              <a:t>Design Parameters</a:t>
+            </a:r>
+            <a:endParaRPr lang="en-ZA" dirty="0"/>
+          </a:p>
+        </p:txBody>
+      </p:sp>
+      <p:sp>
+        <p:nvSpPr>
+          <p:cNvPr id="3" name="Content Placeholder 2"/>
+          <p:cNvSpPr>
+            <a:spLocks noGrp="1"/>
+          </p:cNvSpPr>
+          <p:nvPr>
+            <p:ph idx="1"/>
+          </p:nvPr>
+        </p:nvSpPr>
+        <p:spPr/>
+        <p:txBody>
+          <a:bodyPr>
+            <a:normAutofit fontScale="85000" lnSpcReduction="20000"/>
+          </a:bodyPr>
+          <a:lstStyle/>
+          <a:p>
+            <a:r>
               <a:rPr lang="en-ZA" dirty="0"/>
-              <a:t>Design Factors</a:t>
-            </a:r>
-          </a:p>
-        </p:txBody>
-      </p:sp>
-      <p:sp>
-        <p:nvSpPr>
-          <p:cNvPr id="3" name="Content Placeholder 2"/>
-          <p:cNvSpPr>
-            <a:spLocks noGrp="1"/>
-          </p:cNvSpPr>
-          <p:nvPr>
-            <p:ph idx="1"/>
-          </p:nvPr>
-        </p:nvSpPr>
-        <p:spPr/>
-        <p:txBody>
-          <a:bodyPr/>
-          <a:lstStyle/>
-          <a:p>
+              <a:t>The parameters used in the analysis of the system queues are as follows:</a:t>
+            </a:r>
+          </a:p>
+          <a:p>
+            <a:pPr lvl="1"/>
+            <a:r>
+              <a:rPr lang="en-ZA" dirty="0"/>
+              <a:t> Service Discipline</a:t>
+            </a:r>
+          </a:p>
+          <a:p>
+            <a:pPr lvl="1"/>
+            <a:r>
+              <a:rPr lang="en-ZA" dirty="0"/>
+              <a:t> Number of servers</a:t>
+            </a:r>
+          </a:p>
+          <a:p>
+            <a:pPr lvl="1"/>
+            <a:r>
+              <a:rPr lang="en-ZA" dirty="0"/>
+              <a:t> Peak time (days/months/year)</a:t>
+            </a:r>
+          </a:p>
+          <a:p>
+            <a:pPr lvl="1"/>
+            <a:r>
+              <a:rPr lang="en-ZA" dirty="0"/>
+              <a:t> Queuing area</a:t>
+            </a:r>
+          </a:p>
+          <a:p>
+            <a:pPr lvl="1"/>
+            <a:r>
+              <a:rPr lang="en-ZA" dirty="0"/>
+              <a:t> Average service time</a:t>
+            </a:r>
+          </a:p>
+          <a:p>
+            <a:pPr lvl="1"/>
+            <a:r>
+              <a:rPr lang="en-ZA" dirty="0"/>
+              <a:t> Average waiting time</a:t>
+            </a:r>
+          </a:p>
+          <a:p>
+            <a:pPr lvl="1"/>
+            <a:r>
+              <a:rPr lang="en-ZA" dirty="0"/>
+              <a:t> Average time between arrivals</a:t>
+            </a:r>
+          </a:p>
+          <a:p>
+            <a:pPr lvl="1"/>
+            <a:r>
+              <a:rPr lang="en-ZA" dirty="0"/>
+              <a:t> Arrival rate</a:t>
+            </a:r>
+          </a:p>
+          <a:p>
+            <a:pPr lvl="1"/>
+            <a:r>
+              <a:rPr lang="en-ZA" dirty="0"/>
+              <a:t> Service rate</a:t>
+            </a:r>
+          </a:p>
+          <a:p>
+            <a:pPr lvl="1"/>
+            <a:r>
+              <a:rPr lang="en-ZA" dirty="0"/>
+              <a:t> Mean time for customers to wait and be served</a:t>
+            </a:r>
+          </a:p>
+          <a:p>
+            <a:pPr lvl="1"/>
+            <a:r>
+              <a:rPr lang="en-ZA" dirty="0"/>
+              <a:t> </a:t>
+            </a:r>
             <a:r>
               <a:rPr lang="en-ZA" dirty="0" smtClean="0"/>
-              <a:t>Information </a:t>
+              <a:t>Efficiency </a:t>
             </a:r>
             <a:r>
               <a:rPr lang="en-ZA" dirty="0"/>
-              <a:t>available</a:t>
-            </a:r>
-          </a:p>
-          <a:p>
-            <a:pPr lvl="1"/>
-            <a:r>
-              <a:rPr lang="en-ZA" dirty="0"/>
-              <a:t> Upon choice of queue does customer know length of queue and service time?</a:t>
-            </a:r>
-          </a:p>
-          <a:p>
-            <a:r>
-              <a:rPr lang="en-ZA" dirty="0" smtClean="0"/>
-              <a:t>Discrete </a:t>
-            </a:r>
-            <a:r>
-              <a:rPr lang="en-ZA" dirty="0"/>
-              <a:t>/ Continuous time</a:t>
-            </a:r>
-          </a:p>
-          <a:p>
-            <a:r>
-              <a:rPr lang="en-ZA" dirty="0" smtClean="0"/>
-              <a:t>Other </a:t>
-            </a:r>
-            <a:r>
-              <a:rPr lang="en-ZA" dirty="0"/>
-              <a:t>factors</a:t>
-            </a:r>
-          </a:p>
-          <a:p>
-            <a:pPr lvl="1"/>
-            <a:r>
-              <a:rPr lang="en-ZA" dirty="0"/>
-              <a:t> Faults / Malfunctions</a:t>
-            </a:r>
-          </a:p>
-          <a:p>
-            <a:pPr lvl="1"/>
-            <a:r>
-              <a:rPr lang="en-ZA" dirty="0"/>
-              <a:t> Strikes</a:t>
-            </a:r>
-          </a:p>
-          <a:p>
-            <a:pPr lvl="1"/>
-            <a:r>
-              <a:rPr lang="en-ZA" dirty="0"/>
-              <a:t> Real life events </a:t>
-            </a:r>
-            <a:r>
-              <a:rPr lang="en-ZA" dirty="0" err="1"/>
-              <a:t>aecting</a:t>
-            </a:r>
-            <a:r>
-              <a:rPr lang="en-ZA" dirty="0"/>
-              <a:t> the system</a:t>
+              <a:t>(performance factor)</a:t>
             </a:r>
           </a:p>
         </p:txBody>
@@ -8600,7 +8690,7 @@
     </p:spTree>
     <p:extLst>
       <p:ext uri="{BB962C8B-B14F-4D97-AF65-F5344CB8AC3E}">
-        <p14:creationId xmlns:p14="http://schemas.microsoft.com/office/powerpoint/2010/main" val="1595905196"/>
+        <p14:creationId xmlns:p14="http://schemas.microsoft.com/office/powerpoint/2010/main" val="1774076650"/>
       </p:ext>
     </p:extLst>
   </p:cSld>
@@ -8651,175 +8741,6 @@
           <a:p>
             <a:r>
               <a:rPr lang="en-ZA" dirty="0" smtClean="0"/>
-              <a:t>Design Parameters</a:t>
-            </a:r>
-            <a:endParaRPr lang="en-ZA" dirty="0"/>
-          </a:p>
-        </p:txBody>
-      </p:sp>
-      <p:sp>
-        <p:nvSpPr>
-          <p:cNvPr id="3" name="Content Placeholder 2"/>
-          <p:cNvSpPr>
-            <a:spLocks noGrp="1"/>
-          </p:cNvSpPr>
-          <p:nvPr>
-            <p:ph idx="1"/>
-          </p:nvPr>
-        </p:nvSpPr>
-        <p:spPr/>
-        <p:txBody>
-          <a:bodyPr>
-            <a:normAutofit fontScale="85000" lnSpcReduction="20000"/>
-          </a:bodyPr>
-          <a:lstStyle/>
-          <a:p>
-            <a:r>
-              <a:rPr lang="en-ZA" dirty="0"/>
-              <a:t>The parameters used in the analysis of the system queues are as follows:</a:t>
-            </a:r>
-          </a:p>
-          <a:p>
-            <a:pPr lvl="1"/>
-            <a:r>
-              <a:rPr lang="en-ZA" dirty="0"/>
-              <a:t> Service Discipline</a:t>
-            </a:r>
-          </a:p>
-          <a:p>
-            <a:pPr lvl="1"/>
-            <a:r>
-              <a:rPr lang="en-ZA" dirty="0"/>
-              <a:t> Number of servers</a:t>
-            </a:r>
-          </a:p>
-          <a:p>
-            <a:pPr lvl="1"/>
-            <a:r>
-              <a:rPr lang="en-ZA" dirty="0"/>
-              <a:t> Peak time (days/months/year)</a:t>
-            </a:r>
-          </a:p>
-          <a:p>
-            <a:pPr lvl="1"/>
-            <a:r>
-              <a:rPr lang="en-ZA" dirty="0"/>
-              <a:t> Queuing area</a:t>
-            </a:r>
-          </a:p>
-          <a:p>
-            <a:pPr lvl="1"/>
-            <a:r>
-              <a:rPr lang="en-ZA" dirty="0"/>
-              <a:t> Average service time</a:t>
-            </a:r>
-          </a:p>
-          <a:p>
-            <a:pPr lvl="1"/>
-            <a:r>
-              <a:rPr lang="en-ZA" dirty="0"/>
-              <a:t> Average waiting time</a:t>
-            </a:r>
-          </a:p>
-          <a:p>
-            <a:pPr lvl="1"/>
-            <a:r>
-              <a:rPr lang="en-ZA" dirty="0"/>
-              <a:t> Average time between arrivals</a:t>
-            </a:r>
-          </a:p>
-          <a:p>
-            <a:pPr lvl="1"/>
-            <a:r>
-              <a:rPr lang="en-ZA" dirty="0"/>
-              <a:t> Arrival rate</a:t>
-            </a:r>
-          </a:p>
-          <a:p>
-            <a:pPr lvl="1"/>
-            <a:r>
-              <a:rPr lang="en-ZA" dirty="0"/>
-              <a:t> Service rate</a:t>
-            </a:r>
-          </a:p>
-          <a:p>
-            <a:pPr lvl="1"/>
-            <a:r>
-              <a:rPr lang="en-ZA" dirty="0"/>
-              <a:t> Mean time for customers to wait and be served</a:t>
-            </a:r>
-          </a:p>
-          <a:p>
-            <a:pPr lvl="1"/>
-            <a:r>
-              <a:rPr lang="en-ZA" dirty="0"/>
-              <a:t> </a:t>
-            </a:r>
-            <a:r>
-              <a:rPr lang="en-ZA" dirty="0" smtClean="0"/>
-              <a:t>Efficiency </a:t>
-            </a:r>
-            <a:r>
-              <a:rPr lang="en-ZA" dirty="0"/>
-              <a:t>(performance factor)</a:t>
-            </a:r>
-          </a:p>
-        </p:txBody>
-      </p:sp>
-    </p:spTree>
-    <p:extLst>
-      <p:ext uri="{BB962C8B-B14F-4D97-AF65-F5344CB8AC3E}">
-        <p14:creationId xmlns:p14="http://schemas.microsoft.com/office/powerpoint/2010/main" val="1774076650"/>
-      </p:ext>
-    </p:extLst>
-  </p:cSld>
-  <p:clrMapOvr>
-    <a:masterClrMapping/>
-  </p:clrMapOvr>
-  <p:timing>
-    <p:tnLst>
-      <p:par>
-        <p:cTn id="1" dur="indefinite" restart="never" nodeType="tmRoot"/>
-      </p:par>
-    </p:tnLst>
-  </p:timing>
-</p:sld>
-</file>
-
-<file path=ppt/slides/slide8.xml><?xml version="1.0" encoding="utf-8"?>
-<p:sld xmlns:a="http://schemas.openxmlformats.org/drawingml/2006/main" xmlns:r="http://schemas.openxmlformats.org/officeDocument/2006/relationships" xmlns:p="http://schemas.openxmlformats.org/presentationml/2006/main">
-  <p:cSld>
-    <p:spTree>
-      <p:nvGrpSpPr>
-        <p:cNvPr id="1" name=""/>
-        <p:cNvGrpSpPr/>
-        <p:nvPr/>
-      </p:nvGrpSpPr>
-      <p:grpSpPr>
-        <a:xfrm>
-          <a:off x="0" y="0"/>
-          <a:ext cx="0" cy="0"/>
-          <a:chOff x="0" y="0"/>
-          <a:chExt cx="0" cy="0"/>
-        </a:xfrm>
-      </p:grpSpPr>
-      <p:sp>
-        <p:nvSpPr>
-          <p:cNvPr id="2" name="Title 1"/>
-          <p:cNvSpPr>
-            <a:spLocks noGrp="1"/>
-          </p:cNvSpPr>
-          <p:nvPr>
-            <p:ph type="title"/>
-          </p:nvPr>
-        </p:nvSpPr>
-        <p:spPr/>
-        <p:txBody>
-          <a:bodyPr/>
-          <a:lstStyle/>
-          <a:p>
-            <a:r>
-              <a:rPr lang="en-ZA" dirty="0" smtClean="0"/>
               <a:t>Quality of Service</a:t>
             </a:r>
             <a:endParaRPr lang="en-ZA" dirty="0"/>
@@ -8920,7 +8841,7 @@
 </p:sld>
 </file>
 
-<file path=ppt/slides/slide9.xml><?xml version="1.0" encoding="utf-8"?>
+<file path=ppt/slides/slide8.xml><?xml version="1.0" encoding="utf-8"?>
 <p:sld xmlns:a="http://schemas.openxmlformats.org/drawingml/2006/main" xmlns:r="http://schemas.openxmlformats.org/officeDocument/2006/relationships" xmlns:p="http://schemas.openxmlformats.org/presentationml/2006/main">
   <p:cSld>
     <p:spTree>
